--- a/presentations/six-slide-sprint.pptx
+++ b/presentations/six-slide-sprint.pptx
@@ -293,7 +293,7 @@
           <a:p>
             <a:fld id="{DCA9A4BC-79A2-4E3B-9AB4-8B1727CB4EA9}" type="datetimeFigureOut">
               <a:rPr lang="en-US" smtClean="0"/>
-              <a:t>11/6/2014</a:t>
+              <a:t>1/19/2015</a:t>
             </a:fld>
             <a:endParaRPr lang="en-US"/>
           </a:p>
@@ -463,7 +463,7 @@
           <a:p>
             <a:fld id="{DCA9A4BC-79A2-4E3B-9AB4-8B1727CB4EA9}" type="datetimeFigureOut">
               <a:rPr lang="en-US" smtClean="0"/>
-              <a:t>11/6/2014</a:t>
+              <a:t>1/19/2015</a:t>
             </a:fld>
             <a:endParaRPr lang="en-US"/>
           </a:p>
@@ -643,7 +643,7 @@
           <a:p>
             <a:fld id="{DCA9A4BC-79A2-4E3B-9AB4-8B1727CB4EA9}" type="datetimeFigureOut">
               <a:rPr lang="en-US" smtClean="0"/>
-              <a:t>11/6/2014</a:t>
+              <a:t>1/19/2015</a:t>
             </a:fld>
             <a:endParaRPr lang="en-US"/>
           </a:p>
@@ -813,7 +813,7 @@
           <a:p>
             <a:fld id="{DCA9A4BC-79A2-4E3B-9AB4-8B1727CB4EA9}" type="datetimeFigureOut">
               <a:rPr lang="en-US" smtClean="0"/>
-              <a:t>11/6/2014</a:t>
+              <a:t>1/19/2015</a:t>
             </a:fld>
             <a:endParaRPr lang="en-US"/>
           </a:p>
@@ -1059,7 +1059,7 @@
           <a:p>
             <a:fld id="{DCA9A4BC-79A2-4E3B-9AB4-8B1727CB4EA9}" type="datetimeFigureOut">
               <a:rPr lang="en-US" smtClean="0"/>
-              <a:t>11/6/2014</a:t>
+              <a:t>1/19/2015</a:t>
             </a:fld>
             <a:endParaRPr lang="en-US"/>
           </a:p>
@@ -1347,7 +1347,7 @@
           <a:p>
             <a:fld id="{DCA9A4BC-79A2-4E3B-9AB4-8B1727CB4EA9}" type="datetimeFigureOut">
               <a:rPr lang="en-US" smtClean="0"/>
-              <a:t>11/6/2014</a:t>
+              <a:t>1/19/2015</a:t>
             </a:fld>
             <a:endParaRPr lang="en-US"/>
           </a:p>
@@ -1769,7 +1769,7 @@
           <a:p>
             <a:fld id="{DCA9A4BC-79A2-4E3B-9AB4-8B1727CB4EA9}" type="datetimeFigureOut">
               <a:rPr lang="en-US" smtClean="0"/>
-              <a:t>11/6/2014</a:t>
+              <a:t>1/19/2015</a:t>
             </a:fld>
             <a:endParaRPr lang="en-US"/>
           </a:p>
@@ -1887,7 +1887,7 @@
           <a:p>
             <a:fld id="{DCA9A4BC-79A2-4E3B-9AB4-8B1727CB4EA9}" type="datetimeFigureOut">
               <a:rPr lang="en-US" smtClean="0"/>
-              <a:t>11/6/2014</a:t>
+              <a:t>1/19/2015</a:t>
             </a:fld>
             <a:endParaRPr lang="en-US"/>
           </a:p>
@@ -1982,7 +1982,7 @@
           <a:p>
             <a:fld id="{DCA9A4BC-79A2-4E3B-9AB4-8B1727CB4EA9}" type="datetimeFigureOut">
               <a:rPr lang="en-US" smtClean="0"/>
-              <a:t>11/6/2014</a:t>
+              <a:t>1/19/2015</a:t>
             </a:fld>
             <a:endParaRPr lang="en-US"/>
           </a:p>
@@ -2259,7 +2259,7 @@
           <a:p>
             <a:fld id="{DCA9A4BC-79A2-4E3B-9AB4-8B1727CB4EA9}" type="datetimeFigureOut">
               <a:rPr lang="en-US" smtClean="0"/>
-              <a:t>11/6/2014</a:t>
+              <a:t>1/19/2015</a:t>
             </a:fld>
             <a:endParaRPr lang="en-US"/>
           </a:p>
@@ -2512,7 +2512,7 @@
           <a:p>
             <a:fld id="{DCA9A4BC-79A2-4E3B-9AB4-8B1727CB4EA9}" type="datetimeFigureOut">
               <a:rPr lang="en-US" smtClean="0"/>
-              <a:t>11/6/2014</a:t>
+              <a:t>1/19/2015</a:t>
             </a:fld>
             <a:endParaRPr lang="en-US"/>
           </a:p>
@@ -2725,7 +2725,7 @@
           <a:p>
             <a:fld id="{DCA9A4BC-79A2-4E3B-9AB4-8B1727CB4EA9}" type="datetimeFigureOut">
               <a:rPr lang="en-US" smtClean="0"/>
-              <a:t>11/6/2014</a:t>
+              <a:t>1/19/2015</a:t>
             </a:fld>
             <a:endParaRPr lang="en-US"/>
           </a:p>
@@ -3112,8 +3112,8 @@
         </p:nvSpPr>
         <p:spPr>
           <a:xfrm>
-            <a:off x="609600" y="1447800"/>
-            <a:ext cx="7902575" cy="1752600"/>
+            <a:off x="609600" y="1295400"/>
+            <a:ext cx="7902575" cy="2209800"/>
           </a:xfrm>
         </p:spPr>
         <p:txBody>
@@ -3146,7 +3146,14 @@
             </a:br>
             <a:r>
               <a:rPr lang="en-US" sz="2000" dirty="0" smtClean="0"/>
-              <a:t>Needs Backers and Advisors</a:t>
+              <a:t>Current Needs: None</a:t>
+            </a:r>
+            <a:br>
+              <a:rPr lang="en-US" sz="2000" dirty="0" smtClean="0"/>
+            </a:br>
+            <a:r>
+              <a:rPr lang="en-US" sz="2000" dirty="0" smtClean="0"/>
+              <a:t>Jan 2015</a:t>
             </a:r>
             <a:endParaRPr lang="en-US" sz="2000" dirty="0"/>
           </a:p>
@@ -4054,7 +4061,7 @@
             <p:ph idx="1"/>
             <p:extLst>
               <p:ext uri="{D42A27DB-BD31-4B8C-83A1-F6EECF244321}">
-                <p14:modId xmlns:p14="http://schemas.microsoft.com/office/powerpoint/2010/main" val="2876701211"/>
+                <p14:modId xmlns:p14="http://schemas.microsoft.com/office/powerpoint/2010/main" val="1258354606"/>
               </p:ext>
             </p:extLst>
           </p:nvPr>
@@ -4138,18 +4145,20 @@
                     <a:lstStyle/>
                     <a:p>
                       <a:r>
-                        <a:rPr lang="en-US" baseline="0" dirty="0" smtClean="0"/>
-                        <a:t>Maintains the ownership</a:t>
+                        <a:rPr lang="en-US" b="0" u="none" baseline="0" dirty="0" smtClean="0">
+                          <a:solidFill>
+                            <a:schemeClr val="tx1"/>
+                          </a:solidFill>
+                        </a:rPr>
+                        <a:t>Can force </a:t>
                       </a:r>
-                    </a:p>
-                    <a:p>
                       <a:r>
                         <a:rPr lang="en-US" u="sng" baseline="0" dirty="0" smtClean="0">
                           <a:solidFill>
                             <a:srgbClr val="00B050"/>
                           </a:solidFill>
                         </a:rPr>
-                        <a:t>network-effect </a:t>
+                        <a:t>100% Bitcoin-user adoption</a:t>
                       </a:r>
                       <a:r>
                         <a:rPr lang="en-US" b="0" u="none" baseline="0" dirty="0" smtClean="0">
@@ -4157,30 +4166,15 @@
                             <a:schemeClr val="dk1"/>
                           </a:solidFill>
                         </a:rPr>
-                        <a:t>by </a:t>
+                        <a:t> by </a:t>
                       </a:r>
                       <a:r>
-                        <a:rPr lang="en-US" b="1" i="1" u="none" baseline="0" dirty="0" smtClean="0">
+                        <a:rPr lang="en-US" b="0" i="1" u="none" baseline="0" dirty="0" smtClean="0">
                           <a:solidFill>
                             <a:schemeClr val="dk1"/>
                           </a:solidFill>
                         </a:rPr>
                         <a:t>profitably</a:t>
-                      </a:r>
-                      <a:endParaRPr lang="en-US" b="1" i="0" u="none" baseline="0" dirty="0" smtClean="0">
-                        <a:solidFill>
-                          <a:schemeClr val="dk1"/>
-                        </a:solidFill>
-                      </a:endParaRPr>
-                    </a:p>
-                    <a:p>
-                      <a:r>
-                        <a:rPr lang="en-US" b="0" u="none" baseline="0" dirty="0" smtClean="0">
-                          <a:solidFill>
-                            <a:schemeClr val="dk1"/>
-                          </a:solidFill>
-                        </a:rPr>
-                        <a:t>giving </a:t>
                       </a:r>
                       <a:r>
                         <a:rPr lang="en-US" b="0" u="none" baseline="0" dirty="0" smtClean="0">
@@ -4188,25 +4182,22 @@
                             <a:schemeClr val="dk1"/>
                           </a:solidFill>
                         </a:rPr>
-                        <a:t>away coins to </a:t>
+                        <a:t> giving away coins to BTC owners.</a:t>
                       </a:r>
-                      <a:r>
-                        <a:rPr lang="en-US" b="0" u="none" baseline="0" dirty="0" smtClean="0">
-                          <a:solidFill>
-                            <a:schemeClr val="dk1"/>
-                          </a:solidFill>
-                        </a:rPr>
-                        <a:t>BTC</a:t>
-                      </a:r>
+                      <a:endParaRPr lang="en-US" b="0" u="none" baseline="0" dirty="0" smtClean="0"/>
                     </a:p>
                     <a:p>
                       <a:r>
-                        <a:rPr lang="en-US" b="0" u="none" baseline="0" dirty="0" smtClean="0">
+                        <a:rPr lang="en-US" baseline="0" dirty="0" smtClean="0"/>
+                        <a:t>Maintains the ownership </a:t>
+                      </a:r>
+                      <a:r>
+                        <a:rPr lang="en-US" u="sng" baseline="0" dirty="0" smtClean="0">
                           <a:solidFill>
-                            <a:schemeClr val="dk1"/>
+                            <a:srgbClr val="00B050"/>
                           </a:solidFill>
                         </a:rPr>
-                        <a:t>Owners (100% adoption)</a:t>
+                        <a:t>network-effect</a:t>
                       </a:r>
                       <a:r>
                         <a:rPr lang="en-US" baseline="0" dirty="0" smtClean="0"/>
@@ -4234,27 +4225,35 @@
                       </a:r>
                       <a:r>
                         <a:rPr lang="en-US" dirty="0" smtClean="0"/>
-                        <a:t>…</a:t>
+                        <a:t>…computer science</a:t>
+                      </a:r>
+                      <a:r>
+                        <a:rPr lang="en-US" baseline="0" dirty="0" smtClean="0"/>
+                        <a:t> (</a:t>
+                      </a:r>
+                      <a:r>
+                        <a:rPr lang="en-US" baseline="0" dirty="0" err="1" smtClean="0"/>
+                        <a:t>Ethereum</a:t>
+                      </a:r>
+                      <a:r>
+                        <a:rPr lang="en-US" baseline="0" dirty="0" smtClean="0"/>
+                        <a:t>)</a:t>
                       </a:r>
                       <a:r>
                         <a:rPr lang="en-US" dirty="0" smtClean="0"/>
-                        <a:t>computer</a:t>
-                      </a:r>
-                    </a:p>
-                    <a:p>
-                      <a:r>
-                        <a:rPr lang="en-US" dirty="0" smtClean="0"/>
-                        <a:t>science</a:t>
+                        <a:t>,</a:t>
                       </a:r>
                       <a:r>
                         <a:rPr lang="en-US" baseline="0" dirty="0" smtClean="0"/>
-                        <a:t>, security, or</a:t>
+                        <a:t> security (NXT), or business model (</a:t>
                       </a:r>
-                    </a:p>
-                    <a:p>
+                      <a:r>
+                        <a:rPr lang="en-US" baseline="0" dirty="0" err="1" smtClean="0"/>
+                        <a:t>BitsharesX</a:t>
+                      </a:r>
                       <a:r>
                         <a:rPr lang="en-US" baseline="0" dirty="0" smtClean="0"/>
-                        <a:t>business model.</a:t>
+                        <a:t>).</a:t>
                       </a:r>
                       <a:endParaRPr lang="en-US" dirty="0"/>
                     </a:p>
@@ -4637,8 +4636,8 @@
         </p:blipFill>
         <p:spPr bwMode="auto">
           <a:xfrm>
-            <a:off x="2510160" y="4838700"/>
-            <a:ext cx="1910006" cy="1181099"/>
+            <a:off x="2557435" y="4886325"/>
+            <a:ext cx="1709765" cy="1057275"/>
           </a:xfrm>
           <a:prstGeom prst="rect">
             <a:avLst/>
@@ -4765,674 +4764,6 @@
               <a:srgbClr val="333333">
                 <a:alpha val="65000"/>
               </a:srgbClr>
-            </a:outerShdw>
-          </a:effectLst>
-          <a:extLst>
-            <a:ext uri="{909E8E84-426E-40DD-AFC4-6F175D3DCCD1}">
-              <a14:hiddenFill xmlns:a14="http://schemas.microsoft.com/office/drawing/2010/main">
-                <a:solidFill>
-                  <a:srgbClr val="FFFFFF"/>
-                </a:solidFill>
-              </a14:hiddenFill>
-            </a:ext>
-          </a:extLst>
-        </p:spPr>
-      </p:pic>
-      <p:pic>
-        <p:nvPicPr>
-          <p:cNvPr id="2" name="Picture 2" descr="http://banksworstfear.com/wp-content/uploads/2014/07/bitcoin-fork.jpg"/>
-          <p:cNvPicPr>
-            <a:picLocks noChangeAspect="1" noChangeArrowheads="1"/>
-          </p:cNvPicPr>
-          <p:nvPr/>
-        </p:nvPicPr>
-        <p:blipFill rotWithShape="1">
-          <a:blip r:embed="rId6" cstate="print">
-            <a:extLst>
-              <a:ext uri="{28A0092B-C50C-407E-A947-70E740481C1C}">
-                <a14:useLocalDpi xmlns:a14="http://schemas.microsoft.com/office/drawing/2010/main" val="0"/>
-              </a:ext>
-            </a:extLst>
-          </a:blip>
-          <a:srcRect l="33511" t="18525" r="22124"/>
-          <a:stretch/>
-        </p:blipFill>
-        <p:spPr bwMode="auto">
-          <a:xfrm>
-            <a:off x="7810500" y="1660327"/>
-            <a:ext cx="628630" cy="794146"/>
-          </a:xfrm>
-          <a:prstGeom prst="rect">
-            <a:avLst/>
-          </a:prstGeom>
-          <a:ln>
-            <a:noFill/>
-          </a:ln>
-          <a:effectLst>
-            <a:outerShdw blurRad="190500" algn="tl" rotWithShape="0">
-              <a:srgbClr val="000000">
-                <a:alpha val="70000"/>
-              </a:srgbClr>
-            </a:outerShdw>
-          </a:effectLst>
-          <a:extLst>
-            <a:ext uri="{909E8E84-426E-40DD-AFC4-6F175D3DCCD1}">
-              <a14:hiddenFill xmlns:a14="http://schemas.microsoft.com/office/drawing/2010/main">
-                <a:solidFill>
-                  <a:srgbClr val="FFFFFF"/>
-                </a:solidFill>
-              </a14:hiddenFill>
-            </a:ext>
-          </a:extLst>
-        </p:spPr>
-      </p:pic>
-      <p:pic>
-        <p:nvPicPr>
-          <p:cNvPr id="3" name="Picture 4" descr="https://www.cryptocoinsnews.com/wp-content/uploads/2014/10/bitcoin-sidechains-800-400.jpg"/>
-          <p:cNvPicPr>
-            <a:picLocks noChangeAspect="1" noChangeArrowheads="1"/>
-          </p:cNvPicPr>
-          <p:nvPr/>
-        </p:nvPicPr>
-        <p:blipFill rotWithShape="1">
-          <a:blip r:embed="rId7" cstate="print">
-            <a:extLst>
-              <a:ext uri="{28A0092B-C50C-407E-A947-70E740481C1C}">
-                <a14:useLocalDpi xmlns:a14="http://schemas.microsoft.com/office/drawing/2010/main" val="0"/>
-              </a:ext>
-            </a:extLst>
-          </a:blip>
-          <a:srcRect l="15055" t="13943" r="27043" b="11839"/>
-          <a:stretch/>
-        </p:blipFill>
-        <p:spPr bwMode="auto">
-          <a:xfrm>
-            <a:off x="7237789" y="2397817"/>
-            <a:ext cx="1240672" cy="795135"/>
-          </a:xfrm>
-          <a:prstGeom prst="rect">
-            <a:avLst/>
-          </a:prstGeom>
-          <a:ln>
-            <a:noFill/>
-          </a:ln>
-          <a:effectLst>
-            <a:outerShdw blurRad="190500" algn="tl" rotWithShape="0">
-              <a:srgbClr val="000000">
-                <a:alpha val="70000"/>
-              </a:srgbClr>
-            </a:outerShdw>
-          </a:effectLst>
-          <a:extLst>
-            <a:ext uri="{909E8E84-426E-40DD-AFC4-6F175D3DCCD1}">
-              <a14:hiddenFill xmlns:a14="http://schemas.microsoft.com/office/drawing/2010/main">
-                <a:solidFill>
-                  <a:srgbClr val="FFFFFF"/>
-                </a:solidFill>
-              </a14:hiddenFill>
-            </a:ext>
-          </a:extLst>
-        </p:spPr>
-      </p:pic>
-      <p:pic>
-        <p:nvPicPr>
-          <p:cNvPr id="10" name="Picture 10" descr="https://encrypted-tbn3.gstatic.com/images?q=tbn:ANd9GcR9MEjYKrLLWkQgt-ffsZMuaNJttuzq-qQP1VUp3p6OTcr5jnFGng"/>
-          <p:cNvPicPr>
-            <a:picLocks noChangeAspect="1" noChangeArrowheads="1"/>
-          </p:cNvPicPr>
-          <p:nvPr/>
-        </p:nvPicPr>
-        <p:blipFill>
-          <a:blip r:embed="rId8" cstate="print">
-            <a:extLst>
-              <a:ext uri="{28A0092B-C50C-407E-A947-70E740481C1C}">
-                <a14:useLocalDpi xmlns:a14="http://schemas.microsoft.com/office/drawing/2010/main" val="0"/>
-              </a:ext>
-            </a:extLst>
-          </a:blip>
-          <a:srcRect/>
-          <a:stretch>
-            <a:fillRect/>
-          </a:stretch>
-        </p:blipFill>
-        <p:spPr bwMode="auto">
-          <a:xfrm>
-            <a:off x="2768752" y="3335927"/>
-            <a:ext cx="440201" cy="600274"/>
-          </a:xfrm>
-          <a:prstGeom prst="rect">
-            <a:avLst/>
-          </a:prstGeom>
-          <a:ln>
-            <a:noFill/>
-          </a:ln>
-          <a:effectLst>
-            <a:outerShdw blurRad="190500" algn="tl" rotWithShape="0">
-              <a:srgbClr val="000000">
-                <a:alpha val="70000"/>
-              </a:srgbClr>
-            </a:outerShdw>
-          </a:effectLst>
-          <a:extLst>
-            <a:ext uri="{909E8E84-426E-40DD-AFC4-6F175D3DCCD1}">
-              <a14:hiddenFill xmlns:a14="http://schemas.microsoft.com/office/drawing/2010/main">
-                <a:solidFill>
-                  <a:srgbClr val="FFFFFF"/>
-                </a:solidFill>
-              </a14:hiddenFill>
-            </a:ext>
-          </a:extLst>
-        </p:spPr>
-      </p:pic>
-      <p:pic>
-        <p:nvPicPr>
-          <p:cNvPr id="11" name="Picture 6" descr="http://www.coinsetter.com/bitcoin-news/wp-content/uploads/2014/08/bitsharesx-logo.png"/>
-          <p:cNvPicPr>
-            <a:picLocks noChangeAspect="1" noChangeArrowheads="1"/>
-          </p:cNvPicPr>
-          <p:nvPr/>
-        </p:nvPicPr>
-        <p:blipFill>
-          <a:blip r:embed="rId9" cstate="print">
-            <a:extLst>
-              <a:ext uri="{28A0092B-C50C-407E-A947-70E740481C1C}">
-                <a14:useLocalDpi xmlns:a14="http://schemas.microsoft.com/office/drawing/2010/main" val="0"/>
-              </a:ext>
-            </a:extLst>
-          </a:blip>
-          <a:srcRect/>
-          <a:stretch>
-            <a:fillRect/>
-          </a:stretch>
-        </p:blipFill>
-        <p:spPr bwMode="auto">
-          <a:xfrm>
-            <a:off x="3351059" y="3723853"/>
-            <a:ext cx="824032" cy="236259"/>
-          </a:xfrm>
-          <a:prstGeom prst="rect">
-            <a:avLst/>
-          </a:prstGeom>
-          <a:noFill/>
-          <a:ln>
-            <a:noFill/>
-          </a:ln>
-          <a:effectLst>
-            <a:outerShdw blurRad="76200" dir="1980000" sx="73000" sy="73000" kx="-800400" algn="bl" rotWithShape="0">
-              <a:prstClr val="black">
-                <a:alpha val="34000"/>
-              </a:prstClr>
-            </a:outerShdw>
-          </a:effectLst>
-          <a:extLst>
-            <a:ext uri="{909E8E84-426E-40DD-AFC4-6F175D3DCCD1}">
-              <a14:hiddenFill xmlns:a14="http://schemas.microsoft.com/office/drawing/2010/main">
-                <a:solidFill>
-                  <a:srgbClr val="FFFFFF"/>
-                </a:solidFill>
-              </a14:hiddenFill>
-            </a:ext>
-          </a:extLst>
-        </p:spPr>
-      </p:pic>
-      <p:pic>
-        <p:nvPicPr>
-          <p:cNvPr id="1030" name="Picture 6" descr="http://nxtra.org/logo.png"/>
-          <p:cNvPicPr>
-            <a:picLocks noChangeAspect="1" noChangeArrowheads="1"/>
-          </p:cNvPicPr>
-          <p:nvPr/>
-        </p:nvPicPr>
-        <p:blipFill>
-          <a:blip r:embed="rId10" cstate="print">
-            <a:extLst>
-              <a:ext uri="{28A0092B-C50C-407E-A947-70E740481C1C}">
-                <a14:useLocalDpi xmlns:a14="http://schemas.microsoft.com/office/drawing/2010/main" val="0"/>
-              </a:ext>
-            </a:extLst>
-          </a:blip>
-          <a:srcRect/>
-          <a:stretch>
-            <a:fillRect/>
-          </a:stretch>
-        </p:blipFill>
-        <p:spPr bwMode="auto">
-          <a:xfrm>
-            <a:off x="3496025" y="3216964"/>
-            <a:ext cx="419100" cy="419100"/>
-          </a:xfrm>
-          <a:prstGeom prst="rect">
-            <a:avLst/>
-          </a:prstGeom>
-          <a:ln>
-            <a:noFill/>
-          </a:ln>
-          <a:effectLst>
-            <a:outerShdw blurRad="190500" algn="tl" rotWithShape="0">
-              <a:srgbClr val="000000">
-                <a:alpha val="70000"/>
-              </a:srgbClr>
-            </a:outerShdw>
-          </a:effectLst>
-          <a:extLst>
-            <a:ext uri="{909E8E84-426E-40DD-AFC4-6F175D3DCCD1}">
-              <a14:hiddenFill xmlns:a14="http://schemas.microsoft.com/office/drawing/2010/main">
-                <a:solidFill>
-                  <a:srgbClr val="FFFFFF"/>
-                </a:solidFill>
-              </a14:hiddenFill>
-            </a:ext>
-          </a:extLst>
-        </p:spPr>
-      </p:pic>
-      <p:pic>
-        <p:nvPicPr>
-          <p:cNvPr id="14" name="Picture 10" descr="https://encrypted-tbn3.gstatic.com/images?q=tbn:ANd9GcR9MEjYKrLLWkQgt-ffsZMuaNJttuzq-qQP1VUp3p6OTcr5jnFGng"/>
-          <p:cNvPicPr>
-            <a:picLocks noChangeAspect="1" noChangeArrowheads="1"/>
-          </p:cNvPicPr>
-          <p:nvPr/>
-        </p:nvPicPr>
-        <p:blipFill>
-          <a:blip r:embed="rId8" cstate="print">
-            <a:extLst>
-              <a:ext uri="{28A0092B-C50C-407E-A947-70E740481C1C}">
-                <a14:useLocalDpi xmlns:a14="http://schemas.microsoft.com/office/drawing/2010/main" val="0"/>
-              </a:ext>
-            </a:extLst>
-          </a:blip>
-          <a:srcRect/>
-          <a:stretch>
-            <a:fillRect/>
-          </a:stretch>
-        </p:blipFill>
-        <p:spPr bwMode="auto">
-          <a:xfrm>
-            <a:off x="1977151" y="5288751"/>
-            <a:ext cx="440201" cy="600274"/>
-          </a:xfrm>
-          <a:prstGeom prst="rect">
-            <a:avLst/>
-          </a:prstGeom>
-          <a:ln>
-            <a:noFill/>
-          </a:ln>
-          <a:effectLst>
-            <a:outerShdw blurRad="190500" algn="tl" rotWithShape="0">
-              <a:srgbClr val="000000">
-                <a:alpha val="70000"/>
-              </a:srgbClr>
-            </a:outerShdw>
-          </a:effectLst>
-          <a:extLst>
-            <a:ext uri="{909E8E84-426E-40DD-AFC4-6F175D3DCCD1}">
-              <a14:hiddenFill xmlns:a14="http://schemas.microsoft.com/office/drawing/2010/main">
-                <a:solidFill>
-                  <a:srgbClr val="FFFFFF"/>
-                </a:solidFill>
-              </a14:hiddenFill>
-            </a:ext>
-          </a:extLst>
-        </p:spPr>
-      </p:pic>
-      <p:pic>
-        <p:nvPicPr>
-          <p:cNvPr id="15" name="Picture 6" descr="http://nxtra.org/logo.png"/>
-          <p:cNvPicPr>
-            <a:picLocks noChangeAspect="1" noChangeArrowheads="1"/>
-          </p:cNvPicPr>
-          <p:nvPr/>
-        </p:nvPicPr>
-        <p:blipFill>
-          <a:blip r:embed="rId11" cstate="print">
-            <a:extLst>
-              <a:ext uri="{28A0092B-C50C-407E-A947-70E740481C1C}">
-                <a14:useLocalDpi xmlns:a14="http://schemas.microsoft.com/office/drawing/2010/main" val="0"/>
-              </a:ext>
-            </a:extLst>
-          </a:blip>
-          <a:srcRect/>
-          <a:stretch>
-            <a:fillRect/>
-          </a:stretch>
-        </p:blipFill>
-        <p:spPr bwMode="auto">
-          <a:xfrm>
-            <a:off x="2150652" y="4447427"/>
-            <a:ext cx="266700" cy="266700"/>
-          </a:xfrm>
-          <a:prstGeom prst="rect">
-            <a:avLst/>
-          </a:prstGeom>
-          <a:ln>
-            <a:noFill/>
-          </a:ln>
-          <a:effectLst>
-            <a:outerShdw blurRad="190500" algn="tl" rotWithShape="0">
-              <a:srgbClr val="000000">
-                <a:alpha val="70000"/>
-              </a:srgbClr>
-            </a:outerShdw>
-          </a:effectLst>
-          <a:extLst>
-            <a:ext uri="{909E8E84-426E-40DD-AFC4-6F175D3DCCD1}">
-              <a14:hiddenFill xmlns:a14="http://schemas.microsoft.com/office/drawing/2010/main">
-                <a:solidFill>
-                  <a:srgbClr val="FFFFFF"/>
-                </a:solidFill>
-              </a14:hiddenFill>
-            </a:ext>
-          </a:extLst>
-        </p:spPr>
-      </p:pic>
-      <p:pic>
-        <p:nvPicPr>
-          <p:cNvPr id="16" name="Picture 6" descr="http://www.coinsetter.com/bitcoin-news/wp-content/uploads/2014/08/bitsharesx-logo.png"/>
-          <p:cNvPicPr>
-            <a:picLocks noChangeAspect="1" noChangeArrowheads="1"/>
-          </p:cNvPicPr>
-          <p:nvPr/>
-        </p:nvPicPr>
-        <p:blipFill>
-          <a:blip r:embed="rId9" cstate="print">
-            <a:extLst>
-              <a:ext uri="{28A0092B-C50C-407E-A947-70E740481C1C}">
-                <a14:useLocalDpi xmlns:a14="http://schemas.microsoft.com/office/drawing/2010/main" val="0"/>
-              </a:ext>
-            </a:extLst>
-          </a:blip>
-          <a:srcRect/>
-          <a:stretch>
-            <a:fillRect/>
-          </a:stretch>
-        </p:blipFill>
-        <p:spPr bwMode="auto">
-          <a:xfrm>
-            <a:off x="2813354" y="4470632"/>
-            <a:ext cx="824032" cy="236259"/>
-          </a:xfrm>
-          <a:prstGeom prst="rect">
-            <a:avLst/>
-          </a:prstGeom>
-          <a:noFill/>
-          <a:ln>
-            <a:noFill/>
-          </a:ln>
-          <a:effectLst>
-            <a:outerShdw blurRad="76200" dir="1980000" sx="73000" sy="73000" kx="-800400" algn="bl" rotWithShape="0">
-              <a:prstClr val="black">
-                <a:alpha val="34000"/>
-              </a:prstClr>
-            </a:outerShdw>
-          </a:effectLst>
-          <a:extLst>
-            <a:ext uri="{909E8E84-426E-40DD-AFC4-6F175D3DCCD1}">
-              <a14:hiddenFill xmlns:a14="http://schemas.microsoft.com/office/drawing/2010/main">
-                <a:solidFill>
-                  <a:srgbClr val="FFFFFF"/>
-                </a:solidFill>
-              </a14:hiddenFill>
-            </a:ext>
-          </a:extLst>
-        </p:spPr>
-      </p:pic>
-      <p:sp>
-        <p:nvSpPr>
-          <p:cNvPr id="6" name="AutoShape 10" descr="data:image/jpeg;base64,/9j/4AAQSkZJRgABAQAAAQABAAD/2wCEAAkGBxQREBISERQWEBQVFBQTGBcVFBYVFRYSFhkWFhUXGhkYHyogGBolGxQUIjEhJTUrLi4uFx8zODMsNygtLisBCgoKDg0OGhAQGy8kHiQsKyw3LDAuNDcsLDg3Lyw2NCwtOCwsLC0sNDQwLjQsNDQsLCwsLDcsNCwsLCwsLCssLP/AABEIAHQBsQMBIgACEQEDEQH/xAAcAAEAAQUBAQAAAAAAAAAAAAAABwMEBQYIAQL/xABHEAABAwICBQcGCwcDBQAAAAABAAIDBBEGIQUHEjFRNEFhcXOBshMiUpGhsRQVIzJCYpKTwcLRM1NUcnSC0jVj4RckovDx/8QAGQEBAAMBAQAAAAAAAAAAAAAAAAMEBQIB/8QAJBEBAQACAgEEAgMBAAAAAAAAAAECAwQRIRITMWEiQVGBkTL/2gAMAwEAAhEDEQA/AJxREQEREBERARFY6b0k2mgfM/MNGQ4uOTR3leyW3qPLZJ3VviDEMNGzalN3H5rG2L3d3MOlR1pTWDVSE+S2YG9ADnd5d+AWvaSrn1ErpZTtOce4DmA4AK1stTVxcMZ+Xms3Zycsr48Rlxi6tBv8If8A+NvVZZzRGseZhAqWiZvpNAa8fgfYtLIXyQpstOvKdWI8d2c/afNE6UiqYxJC4Pbz8WngRzFXqgvDOnH0U4kbcsOT28zm/qOZThBMHta9pu1wDgeIOYWZyNHt36aOnd7k+1RERV0wiIgIiICIiAihTH2OZ5KmSGnkdDDG4s8w2c9wycSd4F7iw4LCaDxrV0sjXCV8rL+dHI4ua4c4zzaekIOhkVto2sbPDFMz5sjGyDqcAR71coCIiAiIgIiICIiAiIgIiICIiArXSlX5GCWUDa8mxz7br7IJt7FdLGYm5FU9hL4Sgjca4JP4Zv3h/RXOjta75Zoo/gzR5SRjL+UOW04C+7pUUBZDD/LKbt4fG1B0yiIgIiICIiAiIgIiICIiAiIgIiICIiAtC1q1RDIIhucXPP8AbYDxFb6o+1qQHap381nt7/NI/FT8br3Ir8m32qj6yWVSy8IWsye1IhfJCrEL4IXr3tSIUv6tqsyUDAczG50fcDcew+xREQpX1XwltCXH6cryOoWb+BVXmde3/a3xL+f9NvREWW0hERARF8SSBou4ho4kgD2oPtFZRaWgcdls8TncBIwn1Aq9QQHrBwxLS1UsmyXQyPc9rwLgbRuWutuIJKwehdCzVcgjgYXknM281o4uO4BdLkX3rxjQMgAOrJBa6HoRT08MANxFGyO/HZAF/YrxEQEREBF8SzNaLucGjiSAParRumacmwnhJ4eVZf3oL5F8seCLggjiDdfSAiIgIiICLxzgBcmw6VZP0zTg2M8IPAysB96C+RU4ahjxdjmvHFpBHsVRAWMxNyKp7CXwlZNYzE3IqnsJfCUHNIWQw/yym7eHxtWPCyGH+WU3bw+NqDplERARFTmnawXe4NHFxA96CoisW6ZpybCeEnh5Vl/erxjw4XBBHEG6D6REQEREBERAVhpfTENKzbneGDmG9zjwA3lNN6UZSwPmfuaMhzucfmtHWVB2mNKyVUrpZTcncPotHM1o5grPH4/ueb8IN272/E+W76Q1muJIghAHpSG5P9rd3rVlHrGqr5siI4bLh+K0pqqBaE4+qfpQu/Z/KU9DawopCGztMBP0r7TO87wtyY8OALSCDmCDcELn5q3HAmJDBI2CU3ieQBf6Dzut9UlVd3FkneH+J9PKvfWf+pSWGxbon4VSvYPnt89n8w5u8XHesyvHOABJyAzPUqOOVxvcXcsZlLKgbZXhCu6xwdJI5u4vcR1EkhW7gtqVgqRCpkKqSshozQFRUkCKMkek7zWDpud/cvblJO66xlt6jH0NE+eRsUYu5xsPxJ6Apy0XQtghjhbuY0N6+J7zcrE4WwvHRtv+0lcM323D0W8B71sCzOTv9y9T4jV42m653fkREVZZaDrjncyjiLHOYfLAXa4tNtl3BQ/8ZTfvpPvHfqpc11cih7ceFyhlBsuFsXSUb5ZCXzOMRYwPe4tDyQdo3O4WWJ0xpqereX1EjpCTuJs0dAaMgrBXmjtFTVBIgifLbfsNJA6zuCCysujsFG+jqQnP5FnuUE1WF6yMXfTStHHYv4bqdsFC2jqQHL5FnuQQbiPSMwrKkCWQATSAASOAA2j0rHfGc376X7x36q4xNy2q7eXxFY1B0phVxNDSEkkmnhJJzJOw3NRprkq5GVkIY97B5C9muLRfbdwKknCXIKP+nh8DVF+uvlsHYfncg0f4ym/fSfeO/VbPo3H01NQinhJMxe9zpXna2Wm1g0G9zv37lpyILmvr5Z3bU0j5Tvu9xPs3BWtlmdE4Wq6pu1BA97T9I2a09RcRfuVfSOC66BpdJTu2RmS0tfbr2CSgx2i9MT0zg6CV8RHM0+b3tORUr4I1jtqHNgq7Rymwa8ZMeeBH0XewqGkBQdULRNcM7mULCxzmHyzRdpLTbZdwVzqxxIayl2JDeaCzHE73NPzHdJyIPSFZa5+QR9u3wuQRB8ZTfvpPvHfqs/hPGUlF8Icdqd72NbGHvJa11yS43PVkN61ZEGT0xiCpq3EzzOff6N7MHQGjJYuyv9FaGnqiW08TpSN+yMh1k5BZifAGkGN2jTEj6r43H1B10Gv0lU+J21E90buLHFp9ikPCOs+RjmxV3yjDl5UAB7f5gMnDp39ajiWIscWuBa4GxBFiD0gr5QdSwTNe1r2EOa4Agg3BB3EFY/E3IqnsJfCVHWp7EhDjRSOuCC+K/MRm9nVzjvUi4m5FU9hL4Sg5pCyGH+WU3bw+Nqx4WQw/yym7eHxtQdMq20hXRwRulmcI2NFyT/7mehXKgnWVik1lSYmE+QhcWgA5PeMnPPHPIf8AKC/xRrPnmJZR/wDbx7tuwMjhxzyZ7+laJV1T5TtSvdIeL3F3vVFbrhrVvUVcYle4U0bhdu0C57hx2RuHWg0myv8ARemJ6ZwdBK+I8Gnze9pyK3+q1QSBpMdS1zuDoy0HvBNlH+mNFS0kphnZsPHeCOYg84QS7gTWE2rcIKm0c5ya4ZMk6Pqu6Odb8uWGOIIIJBBuCDYgjcQeK6FwHp/4dRMkd+0b8nJ/O22feCD3oNiREQEREEa62647UEAOQBlPXm1v5lHi3TWvGRWRu5jC0Duc+/vC0tbXGkmqMvfe9lfTVUCphVGqWoKqNVRqpNVQFc1xW46Gx3LEwMlaJgBYG+y63SedU9OYylqWGNoELDvAN3OHAngtVBX2CofZw776d3fsuPp78Kt1vuC8LxuibUTtDy7NjT80N5iRzkqP7qXsHVrZaOLZObGhjhwc3L/nvUXKyyxw8JOHhjln5ZJlDGN0bB1MaPwVwiLN7a/XQiIgIiII911cih7ceFyhlTNrq5FD248LlDKDM4Q0J8NrIoL2aTtPI3iNubrdJ3d66H0fQxwRtiiaI2NFgALf/T0qHdTA/wC/k7B3iapqQEREHNOJuW1Xby+IrGrJYm5bVdvL4isag6SwlyCj/p4fA1Rfrr5bB2H53KUMJcgo/wCnh8DVF+uvlsHYfncgj1btquwu2sndLMNqGHZOzzPkN7A8QLXI6lpKmjUuR8Bltv8ALuv9ltvYg39jQAABYDIAZABeoiCJtbeFWRgVsLQ27g2VoyFzfZfbmzyPWFGC6C1kkfFdTteiLfzbQt7Vz6g3TVJXmPSTWc0zHsPW0F7fCfWt11z8gj7dvhco31fX+NKS37w+rZdf2KSNc/II+3b4XIIWWXwnoQ1tXHADZpO088I25uI6eYdaxCkHUsR8Nmvv8gbfbZdBLujaCOnibFC0MY0WAHvPE9KukRBpusjCjKunfMxoFRE0uDgM3tbmWHjle3SoJBXU0lrG+6xv1c65bkttG265t1XyQXmgq0wVUEoy2JWO7ri/suuh8SG9FUn/AGJPCVzUukNNf6dNff8ABn+vYKDm4LIYf5ZTdvD42rHhZDD/ACym7eHxtQT9jXSJp6CplabOEZa08HO80H1m65yU8a2L/FctvTiv1bYUDoL3QskTaiJ1QHOia4OeGgEkDO1iRvNlLw1sUXoT/ds/zUKIgmv/AKsUXoVH3bP81qGsXFdJpCOLyLZWyxuOb2NAMbh5wuHHnDStDRAUlakq4ieog5nRiUDpaQ0+x4UardtT7raTHTDKPaw/ggnJERAREQaXrQ0OZqdszBd0JJPHyZ+d6iAfWomXRjmggg5g5EdCizGGBHxudNStL4zcmMZuZx2R9JvtC0OJvknoyUuTptvqjRwvtpVMixscjw519ArQUarAq6oKV00jI4xdz3Bo7+fqCp6OoZJ3hkLDI48wG7pJ3AdaljB2FBRt8pJZ8zhYkbmD0W/iVX3bprn2k1absv0vdB4agpmABjXvt5z3AFxPPa+4dATTeGYKlhGw2N9vNe1oBB6bbws0vmR4aC5xsACSTzAb1le5l6u+/LU9vD0+nrwgmoiMb3Mdk5ri09YNirnRWl5aZ+3C7ZvvG9rh0hUtMVgmqJpG7nyOcOq+XsVldbHXc8sX/nL8W6M1izjfHG77Q/FZbRmsWJ5AnjMP1gdtvflce1RoSvklRXja7+k+PJ2T9p/p6hsjQ9jg9pzBBuCqqhbCmJX0UouS6Fx89m+31m8CPapmikDmhzTdrgCCNxB3FZ+7Tdd+mhp3TZPt9oiKFMj3XVyKHtx4XKGVM2urkUPbjwuUMoN/1Mcuk7B3iappULamOXSdg7xNU0oCIiDmnE3Lart5fEVjVksTctqu3l8RWNQdJYS5BR/08Pgaov118tg7D87lKGEuQUf9PD4GqL9dfLYOw/O5BHq3PVlihtFUOZMbQzbIJ5mPF9lx6M7Hu4LTEQdTRyBwDmkOBFwQbgjiCvpc2aKxHVUotBO+Nvo3u37JuAq2kcW1lQ0tlqHlp3tBDAevZtdBuGtnFjJgKOB221rg6Vw3FwvZgPPYm56QFGiL1rSSAMyTYAbyTuCDddUWjzJpESWyhY539zgWN97vUtz1z8gj7dvhcsnq4w2aKkHlBaaWz3/Vy81ncD6yVjNc/II+3b4XIIWWVwtpp1FVRztFw02cPSjOTh12z6wFikQdOaK0nFUxNlheHscL3G8dBHMehXi5j0bpWamdtQSviPPsuIB6xuPestUY5r3t2TUvA+rstPrAuglDWTi1lLTvgjcDUStLbA5sYci48DbcFBoXr3lxJcS4nMkm5J6Sd68QZDD1Cairp4RntysB/lBu4+oFdC4lFqKpH+xJ4StA1P4aLb10ottDZhB9E/Of37h3rf8AE3IqnsJfCUHNIWQw/wAspu3h8bVjwshh/llN28Pjagn/ABno41NBUxNzcY3Fv87fOaPWLd65xXVCgzWbhU0lQZ4x8hM4uy3MkObmngCcwg1fQkkTaiI1DduHaG2M/mHInLPLf3Kb4cA6Ne0ObC1zXAEEPcQQdxGagNbBh7GdXRN2Inh0foSDaaOrMFvcgl//AKe6P/hx9p/6rDYow/oqggMssALjcMZtv2nu4DPIcTzLVajWvWuFmsgjPEMcT7XWWnaT0nLUyGSd7pXnncdw4AbgOgIJSwlozRGkGeZAGSgedE579odIN/Ob0hbfojCNJSy+VgiEb7Ft9pxyO8ZnoXO9NUOje18bix7TcOabEHrXQOA9JVNTRtkq2BjifNIyL2czy36N/bvyQbGiIgIiICIiDH6Q0JTz/toWSHiW5+sZqwjwZQtNxTt73PI9RNln0Xc2ZSdS1zcMb8xRpaVkTdmNjYxwaAB7FWRFw6FqusivMVGWtNjK4M/t+c72C3etqWh62WnyNOeYSOB725e5Tced7J2i33rXekb3S6p3S62GR0+iV4SvklfJK96OnpKlvVjpAy0ew43MTywfynzm+8juUQkqTdUTD5KoPMXsHeG5+8Kty5PaWuL42JAREWS0mh64aWSWjiEbHykTA2YxzyBsuzs0HJRD8S1P8NP9xL/iumkQQ/qg0fNHWyOkiljHkSLvjewX2m5XcN6mBEQEREHO2I9E1BrKkinmcDNIQRDIQRtHMEDNY34mqf4ef7iT/FdNogxeFmFtDSNcC0inhBBBBBDG3BB3FRbrr5bB2H53KZlDOuvlsHYfncgj1bXhnBb6+kllheBLHJs7Dsmvbsg7+Y3PUtUUxakuSVHb/kagivSWh56dxbPDJERzuadk9Ttx7lYXXU72AixAI6RdW40dDe/ko78dht/cg5z0VoGpqXBsEL33+lskMHW45BSzgfV4ykLZ6kiWcZtA+ZGeI9J3Tzcy3xrQMgLDoXqAtA1z8gj7dvhct/Wga5+QR9u3wuQQss/g3Dwr5pIdvybhE57Ta42gWgAjhmsAt71Nf6g7sH+JiDXtN4UqqRxEsLi302NL4z/cBl32WFK6oIVs/R8RNzFGTxLGk+5BzRRUEszg2GN8pPMxjne4ZKSMH6sHFzZa+waLEQg3JP1yNw6ApVjia0WaA0dAA9y+0HyxgaAAAABYAZAAbgsdibkVT2MvhKya8IvvzQcsBX+H+V03bw+Nq6U+DM9Bv2Qgpmeg37IQVVQraRk0bo5Wh7HCxadxCrogh3FGq2WMl9EfLM3+TcbSN6ATk4eorQqzR8sJLZYpIiPTY5vvC6fXy+MOFnAEdIug5Zur/R2haioNoYZJOkMOyOtxyC6PGjoQbiKMHjsNv7lctaBkBbqQRlg/VgI3NmriHkZiJubQfrn6XUMutSaBZeogIiICIiAiIgIiICIiAsFjTRJqqORjc3iz2fzNzt3i471nUXWOVxsseZYzKdVzndLqSccYIc9zqilFyc3xjeTzub09CjaRhaS1wLSN4III6wVtatuOydxk7NdwvVeXRF6xhcQGguJ3AC5PUApXDxTdgfRBpaNjHCz3Xkf0OduHcLBaxgfBDmubUVbbEZsiO8Hmc/8ARSMszl75l+GK/wAbVcfyoiIqK2IiICIiAiIgIiIChnXXy2DsPzuUzKHNdETjWQWa53yHMCfpu4II6UxakuSVHb/kaoi+DP8AQf8AZd+il/UrGW0tRtAt+X5wR9BvFBIiIiAiIgLQNc/II+3b4XLf1oWuRhNDHYE/Lt3An6LuCCFFvepr/UHdg/xMWk/Bn+g/7Lv0W86nYXDSDiWuHyD97SPpM4oJqREQEREBERAREQEREBERAREQEREBERAREQEREBERAREQEREBY/SWhKeo/bRMkPEjzvtDNEXstnmPLJflhzgGhvfyburyj7e9ZfRug6en/YxMjPEC7vtHNEXV2Z5eLa5mGM+IyKIi4diIiAiIgIiICIiAiIgLwtB3i6Ig82BwHqXoFt2SIg9REQEREBeEXREHmwOA9S9DQOZEQeoiICIiAiIgIiICIiAiIgIiICIiAiIgIiIP/9k="/>
-          <p:cNvSpPr>
-            <a:spLocks noChangeAspect="1" noChangeArrowheads="1"/>
-          </p:cNvSpPr>
-          <p:nvPr/>
-        </p:nvSpPr>
-        <p:spPr bwMode="auto">
-          <a:xfrm>
-            <a:off x="155575" y="-746125"/>
-            <a:ext cx="5791200" cy="1562100"/>
-          </a:xfrm>
-          <a:prstGeom prst="rect">
-            <a:avLst/>
-          </a:prstGeom>
-          <a:noFill/>
-          <a:extLst>
-            <a:ext uri="{909E8E84-426E-40DD-AFC4-6F175D3DCCD1}">
-              <a14:hiddenFill xmlns:a14="http://schemas.microsoft.com/office/drawing/2010/main">
-                <a:solidFill>
-                  <a:srgbClr val="FFFFFF"/>
-                </a:solidFill>
-              </a14:hiddenFill>
-            </a:ext>
-          </a:extLst>
-        </p:spPr>
-        <p:txBody>
-          <a:bodyPr vert="horz" wrap="square" lIns="91440" tIns="45720" rIns="91440" bIns="45720" numCol="1" anchor="t" anchorCtr="0" compatLnSpc="1">
-            <a:prstTxWarp prst="textNoShape">
-              <a:avLst/>
-            </a:prstTxWarp>
-          </a:bodyPr>
-          <a:lstStyle/>
-          <a:p>
-            <a:endParaRPr lang="en-US"/>
-          </a:p>
-        </p:txBody>
-      </p:sp>
-      <p:sp>
-        <p:nvSpPr>
-          <p:cNvPr id="7" name="AutoShape 12" descr="data:image/jpeg;base64,/9j/4AAQSkZJRgABAQAAAQABAAD/2wCEAAkGBxQREBISERQWEBQVFBQTGBcVFBYVFRYSFhkWFhUXGhkYHyogGBolGxQUIjEhJTUrLi4uFx8zODMsNygtLisBCgoKDg0OGhAQGy8kHiQsKyw3LDAuNDcsLDg3Lyw2NCwtOCwsLC0sNDQwLjQsNDQsLCwsLDcsNCwsLCwsLCssLP/AABEIAHQBsQMBIgACEQEDEQH/xAAcAAEAAQUBAQAAAAAAAAAAAAAABwMEBQYIAQL/xABHEAABAwICBQcGCwcDBQAAAAABAAIDBBEGIQUHEjFRNEFhcXOBshMiUpGhsRQVIzJCYpKTwcLRM1NUcnSC0jVj4RckovDx/8QAGQEBAAMBAQAAAAAAAAAAAAAAAAMEBQIB/8QAJBEBAQACAgEEAgMBAAAAAAAAAAECAwQRIRITMWEiQVGBkTL/2gAMAwEAAhEDEQA/AJxREQEREBERARFY6b0k2mgfM/MNGQ4uOTR3leyW3qPLZJ3VviDEMNGzalN3H5rG2L3d3MOlR1pTWDVSE+S2YG9ADnd5d+AWvaSrn1ErpZTtOce4DmA4AK1stTVxcMZ+Xms3Zycsr48Rlxi6tBv8If8A+NvVZZzRGseZhAqWiZvpNAa8fgfYtLIXyQpstOvKdWI8d2c/afNE6UiqYxJC4Pbz8WngRzFXqgvDOnH0U4kbcsOT28zm/qOZThBMHta9pu1wDgeIOYWZyNHt36aOnd7k+1RERV0wiIgIiICIiAihTH2OZ5KmSGnkdDDG4s8w2c9wycSd4F7iw4LCaDxrV0sjXCV8rL+dHI4ua4c4zzaekIOhkVto2sbPDFMz5sjGyDqcAR71coCIiAiIgIiICIiAiIgIiICIiArXSlX5GCWUDa8mxz7br7IJt7FdLGYm5FU9hL4Sgjca4JP4Zv3h/RXOjta75Zoo/gzR5SRjL+UOW04C+7pUUBZDD/LKbt4fG1B0yiIgIiICIiAiIgIiICIiAiIgIiICIiAtC1q1RDIIhucXPP8AbYDxFb6o+1qQHap381nt7/NI/FT8br3Ir8m32qj6yWVSy8IWsye1IhfJCrEL4IXr3tSIUv6tqsyUDAczG50fcDcew+xREQpX1XwltCXH6cryOoWb+BVXmde3/a3xL+f9NvREWW0hERARF8SSBou4ho4kgD2oPtFZRaWgcdls8TncBIwn1Aq9QQHrBwxLS1UsmyXQyPc9rwLgbRuWutuIJKwehdCzVcgjgYXknM281o4uO4BdLkX3rxjQMgAOrJBa6HoRT08MANxFGyO/HZAF/YrxEQEREBF8SzNaLucGjiSAParRumacmwnhJ4eVZf3oL5F8seCLggjiDdfSAiIgIiICLxzgBcmw6VZP0zTg2M8IPAysB96C+RU4ahjxdjmvHFpBHsVRAWMxNyKp7CXwlZNYzE3IqnsJfCUHNIWQw/yym7eHxtWPCyGH+WU3bw+NqDplERARFTmnawXe4NHFxA96CoisW6ZpybCeEnh5Vl/erxjw4XBBHEG6D6REQEREBERAVhpfTENKzbneGDmG9zjwA3lNN6UZSwPmfuaMhzucfmtHWVB2mNKyVUrpZTcncPotHM1o5grPH4/ueb8IN272/E+W76Q1muJIghAHpSG5P9rd3rVlHrGqr5siI4bLh+K0pqqBaE4+qfpQu/Z/KU9DawopCGztMBP0r7TO87wtyY8OALSCDmCDcELn5q3HAmJDBI2CU3ieQBf6Dzut9UlVd3FkneH+J9PKvfWf+pSWGxbon4VSvYPnt89n8w5u8XHesyvHOABJyAzPUqOOVxvcXcsZlLKgbZXhCu6xwdJI5u4vcR1EkhW7gtqVgqRCpkKqSshozQFRUkCKMkek7zWDpud/cvblJO66xlt6jH0NE+eRsUYu5xsPxJ6Apy0XQtghjhbuY0N6+J7zcrE4WwvHRtv+0lcM323D0W8B71sCzOTv9y9T4jV42m653fkREVZZaDrjncyjiLHOYfLAXa4tNtl3BQ/8ZTfvpPvHfqpc11cih7ceFyhlBsuFsXSUb5ZCXzOMRYwPe4tDyQdo3O4WWJ0xpqereX1EjpCTuJs0dAaMgrBXmjtFTVBIgifLbfsNJA6zuCCysujsFG+jqQnP5FnuUE1WF6yMXfTStHHYv4bqdsFC2jqQHL5FnuQQbiPSMwrKkCWQATSAASOAA2j0rHfGc376X7x36q4xNy2q7eXxFY1B0phVxNDSEkkmnhJJzJOw3NRprkq5GVkIY97B5C9muLRfbdwKknCXIKP+nh8DVF+uvlsHYfncg0f4ym/fSfeO/VbPo3H01NQinhJMxe9zpXna2Wm1g0G9zv37lpyILmvr5Z3bU0j5Tvu9xPs3BWtlmdE4Wq6pu1BA97T9I2a09RcRfuVfSOC66BpdJTu2RmS0tfbr2CSgx2i9MT0zg6CV8RHM0+b3tORUr4I1jtqHNgq7Rymwa8ZMeeBH0XewqGkBQdULRNcM7mULCxzmHyzRdpLTbZdwVzqxxIayl2JDeaCzHE73NPzHdJyIPSFZa5+QR9u3wuQRB8ZTfvpPvHfqs/hPGUlF8Icdqd72NbGHvJa11yS43PVkN61ZEGT0xiCpq3EzzOff6N7MHQGjJYuyv9FaGnqiW08TpSN+yMh1k5BZifAGkGN2jTEj6r43H1B10Gv0lU+J21E90buLHFp9ikPCOs+RjmxV3yjDl5UAB7f5gMnDp39ajiWIscWuBa4GxBFiD0gr5QdSwTNe1r2EOa4Agg3BB3EFY/E3IqnsJfCVHWp7EhDjRSOuCC+K/MRm9nVzjvUi4m5FU9hL4Sg5pCyGH+WU3bw+Nqx4WQw/yym7eHxtQdMq20hXRwRulmcI2NFyT/7mehXKgnWVik1lSYmE+QhcWgA5PeMnPPHPIf8AKC/xRrPnmJZR/wDbx7tuwMjhxzyZ7+laJV1T5TtSvdIeL3F3vVFbrhrVvUVcYle4U0bhdu0C57hx2RuHWg0myv8ARemJ6ZwdBK+I8Gnze9pyK3+q1QSBpMdS1zuDoy0HvBNlH+mNFS0kphnZsPHeCOYg84QS7gTWE2rcIKm0c5ya4ZMk6Pqu6Odb8uWGOIIIJBBuCDYgjcQeK6FwHp/4dRMkd+0b8nJ/O22feCD3oNiREQEREEa62647UEAOQBlPXm1v5lHi3TWvGRWRu5jC0Duc+/vC0tbXGkmqMvfe9lfTVUCphVGqWoKqNVRqpNVQFc1xW46Gx3LEwMlaJgBYG+y63SedU9OYylqWGNoELDvAN3OHAngtVBX2CofZw776d3fsuPp78Kt1vuC8LxuibUTtDy7NjT80N5iRzkqP7qXsHVrZaOLZObGhjhwc3L/nvUXKyyxw8JOHhjln5ZJlDGN0bB1MaPwVwiLN7a/XQiIgIiII911cih7ceFyhlTNrq5FD248LlDKDM4Q0J8NrIoL2aTtPI3iNubrdJ3d66H0fQxwRtiiaI2NFgALf/T0qHdTA/wC/k7B3iapqQEREHNOJuW1Xby+IrGrJYm5bVdvL4isag6SwlyCj/p4fA1Rfrr5bB2H53KUMJcgo/wCnh8DVF+uvlsHYfncgj1btquwu2sndLMNqGHZOzzPkN7A8QLXI6lpKmjUuR8Bltv8ALuv9ltvYg39jQAABYDIAZABeoiCJtbeFWRgVsLQ27g2VoyFzfZfbmzyPWFGC6C1kkfFdTteiLfzbQt7Vz6g3TVJXmPSTWc0zHsPW0F7fCfWt11z8gj7dvhco31fX+NKS37w+rZdf2KSNc/II+3b4XIIWWXwnoQ1tXHADZpO088I25uI6eYdaxCkHUsR8Nmvv8gbfbZdBLujaCOnibFC0MY0WAHvPE9KukRBpusjCjKunfMxoFRE0uDgM3tbmWHjle3SoJBXU0lrG+6xv1c65bkttG265t1XyQXmgq0wVUEoy2JWO7ri/suuh8SG9FUn/AGJPCVzUukNNf6dNff8ABn+vYKDm4LIYf5ZTdvD42rHhZDD/ACym7eHxtQT9jXSJp6CplabOEZa08HO80H1m65yU8a2L/FctvTiv1bYUDoL3QskTaiJ1QHOia4OeGgEkDO1iRvNlLw1sUXoT/ds/zUKIgmv/AKsUXoVH3bP81qGsXFdJpCOLyLZWyxuOb2NAMbh5wuHHnDStDRAUlakq4ieog5nRiUDpaQ0+x4UardtT7raTHTDKPaw/ggnJERAREQaXrQ0OZqdszBd0JJPHyZ+d6iAfWomXRjmggg5g5EdCizGGBHxudNStL4zcmMZuZx2R9JvtC0OJvknoyUuTptvqjRwvtpVMixscjw519ArQUarAq6oKV00jI4xdz3Bo7+fqCp6OoZJ3hkLDI48wG7pJ3AdaljB2FBRt8pJZ8zhYkbmD0W/iVX3bprn2k1absv0vdB4agpmABjXvt5z3AFxPPa+4dATTeGYKlhGw2N9vNe1oBB6bbws0vmR4aC5xsACSTzAb1le5l6u+/LU9vD0+nrwgmoiMb3Mdk5ri09YNirnRWl5aZ+3C7ZvvG9rh0hUtMVgmqJpG7nyOcOq+XsVldbHXc8sX/nL8W6M1izjfHG77Q/FZbRmsWJ5AnjMP1gdtvflce1RoSvklRXja7+k+PJ2T9p/p6hsjQ9jg9pzBBuCqqhbCmJX0UouS6Fx89m+31m8CPapmikDmhzTdrgCCNxB3FZ+7Tdd+mhp3TZPt9oiKFMj3XVyKHtx4XKGVM2urkUPbjwuUMoN/1Mcuk7B3iappULamOXSdg7xNU0oCIiDmnE3Lart5fEVjVksTctqu3l8RWNQdJYS5BR/08Pgaov118tg7D87lKGEuQUf9PD4GqL9dfLYOw/O5BHq3PVlihtFUOZMbQzbIJ5mPF9lx6M7Hu4LTEQdTRyBwDmkOBFwQbgjiCvpc2aKxHVUotBO+Nvo3u37JuAq2kcW1lQ0tlqHlp3tBDAevZtdBuGtnFjJgKOB221rg6Vw3FwvZgPPYm56QFGiL1rSSAMyTYAbyTuCDddUWjzJpESWyhY539zgWN97vUtz1z8gj7dvhcsnq4w2aKkHlBaaWz3/Vy81ncD6yVjNc/II+3b4XIIWWVwtpp1FVRztFw02cPSjOTh12z6wFikQdOaK0nFUxNlheHscL3G8dBHMehXi5j0bpWamdtQSviPPsuIB6xuPestUY5r3t2TUvA+rstPrAuglDWTi1lLTvgjcDUStLbA5sYci48DbcFBoXr3lxJcS4nMkm5J6Sd68QZDD1Cairp4RntysB/lBu4+oFdC4lFqKpH+xJ4StA1P4aLb10ottDZhB9E/Of37h3rf8AE3IqnsJfCUHNIWQw/wAspu3h8bVjwshh/llN28Pjagn/ABno41NBUxNzcY3Fv87fOaPWLd65xXVCgzWbhU0lQZ4x8hM4uy3MkObmngCcwg1fQkkTaiI1DduHaG2M/mHInLPLf3Kb4cA6Ne0ObC1zXAEEPcQQdxGagNbBh7GdXRN2Inh0foSDaaOrMFvcgl//AKe6P/hx9p/6rDYow/oqggMssALjcMZtv2nu4DPIcTzLVajWvWuFmsgjPEMcT7XWWnaT0nLUyGSd7pXnncdw4AbgOgIJSwlozRGkGeZAGSgedE579odIN/Ob0hbfojCNJSy+VgiEb7Ft9pxyO8ZnoXO9NUOje18bix7TcOabEHrXQOA9JVNTRtkq2BjifNIyL2czy36N/bvyQbGiIgIiICIiDH6Q0JTz/toWSHiW5+sZqwjwZQtNxTt73PI9RNln0Xc2ZSdS1zcMb8xRpaVkTdmNjYxwaAB7FWRFw6FqusivMVGWtNjK4M/t+c72C3etqWh62WnyNOeYSOB725e5Tced7J2i33rXekb3S6p3S62GR0+iV4SvklfJK96OnpKlvVjpAy0ew43MTywfynzm+8juUQkqTdUTD5KoPMXsHeG5+8Kty5PaWuL42JAREWS0mh64aWSWjiEbHykTA2YxzyBsuzs0HJRD8S1P8NP9xL/iumkQQ/qg0fNHWyOkiljHkSLvjewX2m5XcN6mBEQEREHO2I9E1BrKkinmcDNIQRDIQRtHMEDNY34mqf4ef7iT/FdNogxeFmFtDSNcC0inhBBBBBDG3BB3FRbrr5bB2H53KZlDOuvlsHYfncgj1bXhnBb6+kllheBLHJs7Dsmvbsg7+Y3PUtUUxakuSVHb/kagivSWh56dxbPDJERzuadk9Ttx7lYXXU72AixAI6RdW40dDe/ko78dht/cg5z0VoGpqXBsEL33+lskMHW45BSzgfV4ykLZ6kiWcZtA+ZGeI9J3Tzcy3xrQMgLDoXqAtA1z8gj7dvhct/Wga5+QR9u3wuQQss/g3Dwr5pIdvybhE57Ta42gWgAjhmsAt71Nf6g7sH+JiDXtN4UqqRxEsLi302NL4z/cBl32WFK6oIVs/R8RNzFGTxLGk+5BzRRUEszg2GN8pPMxjne4ZKSMH6sHFzZa+waLEQg3JP1yNw6ApVjia0WaA0dAA9y+0HyxgaAAAABYAZAAbgsdibkVT2MvhKya8IvvzQcsBX+H+V03bw+Nq6U+DM9Bv2Qgpmeg37IQVVQraRk0bo5Wh7HCxadxCrogh3FGq2WMl9EfLM3+TcbSN6ATk4eorQqzR8sJLZYpIiPTY5vvC6fXy+MOFnAEdIug5Zur/R2haioNoYZJOkMOyOtxyC6PGjoQbiKMHjsNv7lctaBkBbqQRlg/VgI3NmriHkZiJubQfrn6XUMutSaBZeogIiICIiAiIgIiICIiAsFjTRJqqORjc3iz2fzNzt3i471nUXWOVxsseZYzKdVzndLqSccYIc9zqilFyc3xjeTzub09CjaRhaS1wLSN4III6wVtatuOydxk7NdwvVeXRF6xhcQGguJ3AC5PUApXDxTdgfRBpaNjHCz3Xkf0OduHcLBaxgfBDmubUVbbEZsiO8Hmc/8ARSMszl75l+GK/wAbVcfyoiIqK2IiICIiAiIgIiIChnXXy2DsPzuUzKHNdETjWQWa53yHMCfpu4II6UxakuSVHb/kaoi+DP8AQf8AZd+il/UrGW0tRtAt+X5wR9BvFBIiIiAiIgLQNc/II+3b4XLf1oWuRhNDHYE/Lt3An6LuCCFFvepr/UHdg/xMWk/Bn+g/7Lv0W86nYXDSDiWuHyD97SPpM4oJqREQEREBERAREQEREBERAREQEREBERAREQEREBERAREQEREBY/SWhKeo/bRMkPEjzvtDNEXstnmPLJflhzgGhvfyburyj7e9ZfRug6en/YxMjPEC7vtHNEXV2Z5eLa5mGM+IyKIi4diIiAiIgIiICIiAiIgLwtB3i6Ig82BwHqXoFt2SIg9REQEREBeEXREHmwOA9S9DQOZEQeoiICIiAiIgIiICIiAiIgIiICIiAiIgIiIP/9k="/>
-          <p:cNvSpPr>
-            <a:spLocks noChangeAspect="1" noChangeArrowheads="1"/>
-          </p:cNvSpPr>
-          <p:nvPr/>
-        </p:nvSpPr>
-        <p:spPr bwMode="auto">
-          <a:xfrm>
-            <a:off x="307975" y="-593725"/>
-            <a:ext cx="5791200" cy="1562100"/>
-          </a:xfrm>
-          <a:prstGeom prst="rect">
-            <a:avLst/>
-          </a:prstGeom>
-          <a:noFill/>
-          <a:extLst>
-            <a:ext uri="{909E8E84-426E-40DD-AFC4-6F175D3DCCD1}">
-              <a14:hiddenFill xmlns:a14="http://schemas.microsoft.com/office/drawing/2010/main">
-                <a:solidFill>
-                  <a:srgbClr val="FFFFFF"/>
-                </a:solidFill>
-              </a14:hiddenFill>
-            </a:ext>
-          </a:extLst>
-        </p:spPr>
-        <p:txBody>
-          <a:bodyPr vert="horz" wrap="square" lIns="91440" tIns="45720" rIns="91440" bIns="45720" numCol="1" anchor="t" anchorCtr="0" compatLnSpc="1">
-            <a:prstTxWarp prst="textNoShape">
-              <a:avLst/>
-            </a:prstTxWarp>
-          </a:bodyPr>
-          <a:lstStyle/>
-          <a:p>
-            <a:endParaRPr lang="en-US"/>
-          </a:p>
-        </p:txBody>
-      </p:sp>
-      <p:sp>
-        <p:nvSpPr>
-          <p:cNvPr id="8" name="AutoShape 14" descr="data:image/jpeg;base64,/9j/4AAQSkZJRgABAQAAAQABAAD/2wCEAAkGBxQREBISERQWEBQVFBQTGBcVFBYVFRYSFhkWFhUXGhkYHyogGBolGxQUIjEhJTUrLi4uFx8zODMsNygtLisBCgoKDg0OGhAQGy8kHiQsKyw3LDAuNDcsLDg3Lyw2NCwtOCwsLC0sNDQwLjQsNDQsLCwsLDcsNCwsLCwsLCssLP/AABEIAHQBsQMBIgACEQEDEQH/xAAcAAEAAQUBAQAAAAAAAAAAAAAABwMEBQYIAQL/xABHEAABAwICBQcGCwcDBQAAAAABAAIDBBEGIQUHEjFRNEFhcXOBshMiUpGhsRQVIzJCYpKTwcLRM1NUcnSC0jVj4RckovDx/8QAGQEBAAMBAQAAAAAAAAAAAAAAAAMEBQIB/8QAJBEBAQACAgEEAgMBAAAAAAAAAAECAwQRIRITMWEiQVGBkTL/2gAMAwEAAhEDEQA/AJxREQEREBERARFY6b0k2mgfM/MNGQ4uOTR3leyW3qPLZJ3VviDEMNGzalN3H5rG2L3d3MOlR1pTWDVSE+S2YG9ADnd5d+AWvaSrn1ErpZTtOce4DmA4AK1stTVxcMZ+Xms3Zycsr48Rlxi6tBv8If8A+NvVZZzRGseZhAqWiZvpNAa8fgfYtLIXyQpstOvKdWI8d2c/afNE6UiqYxJC4Pbz8WngRzFXqgvDOnH0U4kbcsOT28zm/qOZThBMHta9pu1wDgeIOYWZyNHt36aOnd7k+1RERV0wiIgIiICIiAihTH2OZ5KmSGnkdDDG4s8w2c9wycSd4F7iw4LCaDxrV0sjXCV8rL+dHI4ua4c4zzaekIOhkVto2sbPDFMz5sjGyDqcAR71coCIiAiIgIiICIiAiIgIiICIiArXSlX5GCWUDa8mxz7br7IJt7FdLGYm5FU9hL4Sgjca4JP4Zv3h/RXOjta75Zoo/gzR5SRjL+UOW04C+7pUUBZDD/LKbt4fG1B0yiIgIiICIiAiIgIiICIiAiIgIiICIiAtC1q1RDIIhucXPP8AbYDxFb6o+1qQHap381nt7/NI/FT8br3Ir8m32qj6yWVSy8IWsye1IhfJCrEL4IXr3tSIUv6tqsyUDAczG50fcDcew+xREQpX1XwltCXH6cryOoWb+BVXmde3/a3xL+f9NvREWW0hERARF8SSBou4ho4kgD2oPtFZRaWgcdls8TncBIwn1Aq9QQHrBwxLS1UsmyXQyPc9rwLgbRuWutuIJKwehdCzVcgjgYXknM281o4uO4BdLkX3rxjQMgAOrJBa6HoRT08MANxFGyO/HZAF/YrxEQEREBF8SzNaLucGjiSAParRumacmwnhJ4eVZf3oL5F8seCLggjiDdfSAiIgIiICLxzgBcmw6VZP0zTg2M8IPAysB96C+RU4ahjxdjmvHFpBHsVRAWMxNyKp7CXwlZNYzE3IqnsJfCUHNIWQw/yym7eHxtWPCyGH+WU3bw+NqDplERARFTmnawXe4NHFxA96CoisW6ZpybCeEnh5Vl/erxjw4XBBHEG6D6REQEREBERAVhpfTENKzbneGDmG9zjwA3lNN6UZSwPmfuaMhzucfmtHWVB2mNKyVUrpZTcncPotHM1o5grPH4/ueb8IN272/E+W76Q1muJIghAHpSG5P9rd3rVlHrGqr5siI4bLh+K0pqqBaE4+qfpQu/Z/KU9DawopCGztMBP0r7TO87wtyY8OALSCDmCDcELn5q3HAmJDBI2CU3ieQBf6Dzut9UlVd3FkneH+J9PKvfWf+pSWGxbon4VSvYPnt89n8w5u8XHesyvHOABJyAzPUqOOVxvcXcsZlLKgbZXhCu6xwdJI5u4vcR1EkhW7gtqVgqRCpkKqSshozQFRUkCKMkek7zWDpud/cvblJO66xlt6jH0NE+eRsUYu5xsPxJ6Apy0XQtghjhbuY0N6+J7zcrE4WwvHRtv+0lcM323D0W8B71sCzOTv9y9T4jV42m653fkREVZZaDrjncyjiLHOYfLAXa4tNtl3BQ/8ZTfvpPvHfqpc11cih7ceFyhlBsuFsXSUb5ZCXzOMRYwPe4tDyQdo3O4WWJ0xpqereX1EjpCTuJs0dAaMgrBXmjtFTVBIgifLbfsNJA6zuCCysujsFG+jqQnP5FnuUE1WF6yMXfTStHHYv4bqdsFC2jqQHL5FnuQQbiPSMwrKkCWQATSAASOAA2j0rHfGc376X7x36q4xNy2q7eXxFY1B0phVxNDSEkkmnhJJzJOw3NRprkq5GVkIY97B5C9muLRfbdwKknCXIKP+nh8DVF+uvlsHYfncg0f4ym/fSfeO/VbPo3H01NQinhJMxe9zpXna2Wm1g0G9zv37lpyILmvr5Z3bU0j5Tvu9xPs3BWtlmdE4Wq6pu1BA97T9I2a09RcRfuVfSOC66BpdJTu2RmS0tfbr2CSgx2i9MT0zg6CV8RHM0+b3tORUr4I1jtqHNgq7Rymwa8ZMeeBH0XewqGkBQdULRNcM7mULCxzmHyzRdpLTbZdwVzqxxIayl2JDeaCzHE73NPzHdJyIPSFZa5+QR9u3wuQRB8ZTfvpPvHfqs/hPGUlF8Icdqd72NbGHvJa11yS43PVkN61ZEGT0xiCpq3EzzOff6N7MHQGjJYuyv9FaGnqiW08TpSN+yMh1k5BZifAGkGN2jTEj6r43H1B10Gv0lU+J21E90buLHFp9ikPCOs+RjmxV3yjDl5UAB7f5gMnDp39ajiWIscWuBa4GxBFiD0gr5QdSwTNe1r2EOa4Agg3BB3EFY/E3IqnsJfCVHWp7EhDjRSOuCC+K/MRm9nVzjvUi4m5FU9hL4Sg5pCyGH+WU3bw+Nqx4WQw/yym7eHxtQdMq20hXRwRulmcI2NFyT/7mehXKgnWVik1lSYmE+QhcWgA5PeMnPPHPIf8AKC/xRrPnmJZR/wDbx7tuwMjhxzyZ7+laJV1T5TtSvdIeL3F3vVFbrhrVvUVcYle4U0bhdu0C57hx2RuHWg0myv8ARemJ6ZwdBK+I8Gnze9pyK3+q1QSBpMdS1zuDoy0HvBNlH+mNFS0kphnZsPHeCOYg84QS7gTWE2rcIKm0c5ya4ZMk6Pqu6Odb8uWGOIIIJBBuCDYgjcQeK6FwHp/4dRMkd+0b8nJ/O22feCD3oNiREQEREEa62647UEAOQBlPXm1v5lHi3TWvGRWRu5jC0Duc+/vC0tbXGkmqMvfe9lfTVUCphVGqWoKqNVRqpNVQFc1xW46Gx3LEwMlaJgBYG+y63SedU9OYylqWGNoELDvAN3OHAngtVBX2CofZw776d3fsuPp78Kt1vuC8LxuibUTtDy7NjT80N5iRzkqP7qXsHVrZaOLZObGhjhwc3L/nvUXKyyxw8JOHhjln5ZJlDGN0bB1MaPwVwiLN7a/XQiIgIiII911cih7ceFyhlTNrq5FD248LlDKDM4Q0J8NrIoL2aTtPI3iNubrdJ3d66H0fQxwRtiiaI2NFgALf/T0qHdTA/wC/k7B3iapqQEREHNOJuW1Xby+IrGrJYm5bVdvL4isag6SwlyCj/p4fA1Rfrr5bB2H53KUMJcgo/wCnh8DVF+uvlsHYfncgj1btquwu2sndLMNqGHZOzzPkN7A8QLXI6lpKmjUuR8Bltv8ALuv9ltvYg39jQAABYDIAZABeoiCJtbeFWRgVsLQ27g2VoyFzfZfbmzyPWFGC6C1kkfFdTteiLfzbQt7Vz6g3TVJXmPSTWc0zHsPW0F7fCfWt11z8gj7dvhco31fX+NKS37w+rZdf2KSNc/II+3b4XIIWWXwnoQ1tXHADZpO088I25uI6eYdaxCkHUsR8Nmvv8gbfbZdBLujaCOnibFC0MY0WAHvPE9KukRBpusjCjKunfMxoFRE0uDgM3tbmWHjle3SoJBXU0lrG+6xv1c65bkttG265t1XyQXmgq0wVUEoy2JWO7ri/suuh8SG9FUn/AGJPCVzUukNNf6dNff8ABn+vYKDm4LIYf5ZTdvD42rHhZDD/ACym7eHxtQT9jXSJp6CplabOEZa08HO80H1m65yU8a2L/FctvTiv1bYUDoL3QskTaiJ1QHOia4OeGgEkDO1iRvNlLw1sUXoT/ds/zUKIgmv/AKsUXoVH3bP81qGsXFdJpCOLyLZWyxuOb2NAMbh5wuHHnDStDRAUlakq4ieog5nRiUDpaQ0+x4UardtT7raTHTDKPaw/ggnJERAREQaXrQ0OZqdszBd0JJPHyZ+d6iAfWomXRjmggg5g5EdCizGGBHxudNStL4zcmMZuZx2R9JvtC0OJvknoyUuTptvqjRwvtpVMixscjw519ArQUarAq6oKV00jI4xdz3Bo7+fqCp6OoZJ3hkLDI48wG7pJ3AdaljB2FBRt8pJZ8zhYkbmD0W/iVX3bprn2k1absv0vdB4agpmABjXvt5z3AFxPPa+4dATTeGYKlhGw2N9vNe1oBB6bbws0vmR4aC5xsACSTzAb1le5l6u+/LU9vD0+nrwgmoiMb3Mdk5ri09YNirnRWl5aZ+3C7ZvvG9rh0hUtMVgmqJpG7nyOcOq+XsVldbHXc8sX/nL8W6M1izjfHG77Q/FZbRmsWJ5AnjMP1gdtvflce1RoSvklRXja7+k+PJ2T9p/p6hsjQ9jg9pzBBuCqqhbCmJX0UouS6Fx89m+31m8CPapmikDmhzTdrgCCNxB3FZ+7Tdd+mhp3TZPt9oiKFMj3XVyKHtx4XKGVM2urkUPbjwuUMoN/1Mcuk7B3iappULamOXSdg7xNU0oCIiDmnE3Lart5fEVjVksTctqu3l8RWNQdJYS5BR/08Pgaov118tg7D87lKGEuQUf9PD4GqL9dfLYOw/O5BHq3PVlihtFUOZMbQzbIJ5mPF9lx6M7Hu4LTEQdTRyBwDmkOBFwQbgjiCvpc2aKxHVUotBO+Nvo3u37JuAq2kcW1lQ0tlqHlp3tBDAevZtdBuGtnFjJgKOB221rg6Vw3FwvZgPPYm56QFGiL1rSSAMyTYAbyTuCDddUWjzJpESWyhY539zgWN97vUtz1z8gj7dvhcsnq4w2aKkHlBaaWz3/Vy81ncD6yVjNc/II+3b4XIIWWVwtpp1FVRztFw02cPSjOTh12z6wFikQdOaK0nFUxNlheHscL3G8dBHMehXi5j0bpWamdtQSviPPsuIB6xuPestUY5r3t2TUvA+rstPrAuglDWTi1lLTvgjcDUStLbA5sYci48DbcFBoXr3lxJcS4nMkm5J6Sd68QZDD1Cairp4RntysB/lBu4+oFdC4lFqKpH+xJ4StA1P4aLb10ottDZhB9E/Of37h3rf8AE3IqnsJfCUHNIWQw/wAspu3h8bVjwshh/llN28Pjagn/ABno41NBUxNzcY3Fv87fOaPWLd65xXVCgzWbhU0lQZ4x8hM4uy3MkObmngCcwg1fQkkTaiI1DduHaG2M/mHInLPLf3Kb4cA6Ne0ObC1zXAEEPcQQdxGagNbBh7GdXRN2Inh0foSDaaOrMFvcgl//AKe6P/hx9p/6rDYow/oqggMssALjcMZtv2nu4DPIcTzLVajWvWuFmsgjPEMcT7XWWnaT0nLUyGSd7pXnncdw4AbgOgIJSwlozRGkGeZAGSgedE579odIN/Ob0hbfojCNJSy+VgiEb7Ft9pxyO8ZnoXO9NUOje18bix7TcOabEHrXQOA9JVNTRtkq2BjifNIyL2czy36N/bvyQbGiIgIiICIiDH6Q0JTz/toWSHiW5+sZqwjwZQtNxTt73PI9RNln0Xc2ZSdS1zcMb8xRpaVkTdmNjYxwaAB7FWRFw6FqusivMVGWtNjK4M/t+c72C3etqWh62WnyNOeYSOB725e5Tced7J2i33rXekb3S6p3S62GR0+iV4SvklfJK96OnpKlvVjpAy0ew43MTywfynzm+8juUQkqTdUTD5KoPMXsHeG5+8Kty5PaWuL42JAREWS0mh64aWSWjiEbHykTA2YxzyBsuzs0HJRD8S1P8NP9xL/iumkQQ/qg0fNHWyOkiljHkSLvjewX2m5XcN6mBEQEREHO2I9E1BrKkinmcDNIQRDIQRtHMEDNY34mqf4ef7iT/FdNogxeFmFtDSNcC0inhBBBBBDG3BB3FRbrr5bB2H53KZlDOuvlsHYfncgj1bXhnBb6+kllheBLHJs7Dsmvbsg7+Y3PUtUUxakuSVHb/kagivSWh56dxbPDJERzuadk9Ttx7lYXXU72AixAI6RdW40dDe/ko78dht/cg5z0VoGpqXBsEL33+lskMHW45BSzgfV4ykLZ6kiWcZtA+ZGeI9J3Tzcy3xrQMgLDoXqAtA1z8gj7dvhct/Wga5+QR9u3wuQQss/g3Dwr5pIdvybhE57Ta42gWgAjhmsAt71Nf6g7sH+JiDXtN4UqqRxEsLi302NL4z/cBl32WFK6oIVs/R8RNzFGTxLGk+5BzRRUEszg2GN8pPMxjne4ZKSMH6sHFzZa+waLEQg3JP1yNw6ApVjia0WaA0dAA9y+0HyxgaAAAABYAZAAbgsdibkVT2MvhKya8IvvzQcsBX+H+V03bw+Nq6U+DM9Bv2Qgpmeg37IQVVQraRk0bo5Wh7HCxadxCrogh3FGq2WMl9EfLM3+TcbSN6ATk4eorQqzR8sJLZYpIiPTY5vvC6fXy+MOFnAEdIug5Zur/R2haioNoYZJOkMOyOtxyC6PGjoQbiKMHjsNv7lctaBkBbqQRlg/VgI3NmriHkZiJubQfrn6XUMutSaBZeogIiICIiAiIgIiICIiAsFjTRJqqORjc3iz2fzNzt3i471nUXWOVxsseZYzKdVzndLqSccYIc9zqilFyc3xjeTzub09CjaRhaS1wLSN4III6wVtatuOydxk7NdwvVeXRF6xhcQGguJ3AC5PUApXDxTdgfRBpaNjHCz3Xkf0OduHcLBaxgfBDmubUVbbEZsiO8Hmc/8ARSMszl75l+GK/wAbVcfyoiIqK2IiICIiAiIgIiIChnXXy2DsPzuUzKHNdETjWQWa53yHMCfpu4II6UxakuSVHb/kaoi+DP8AQf8AZd+il/UrGW0tRtAt+X5wR9BvFBIiIiAiIgLQNc/II+3b4XLf1oWuRhNDHYE/Lt3An6LuCCFFvepr/UHdg/xMWk/Bn+g/7Lv0W86nYXDSDiWuHyD97SPpM4oJqREQEREBERAREQEREBERAREQEREBERAREQEREBERAREQEREBY/SWhKeo/bRMkPEjzvtDNEXstnmPLJflhzgGhvfyburyj7e9ZfRug6en/YxMjPEC7vtHNEXV2Z5eLa5mGM+IyKIi4diIiAiIgIiICIiAiIgLwtB3i6Ig82BwHqXoFt2SIg9REQEREBeEXREHmwOA9S9DQOZEQeoiICIiAiIgIiICIiAiIgIiICIiAiIgIiIP/9k="/>
-          <p:cNvSpPr>
-            <a:spLocks noChangeAspect="1" noChangeArrowheads="1"/>
-          </p:cNvSpPr>
-          <p:nvPr/>
-        </p:nvSpPr>
-        <p:spPr bwMode="auto">
-          <a:xfrm>
-            <a:off x="460375" y="-441325"/>
-            <a:ext cx="5791200" cy="1562100"/>
-          </a:xfrm>
-          <a:prstGeom prst="rect">
-            <a:avLst/>
-          </a:prstGeom>
-          <a:noFill/>
-          <a:extLst>
-            <a:ext uri="{909E8E84-426E-40DD-AFC4-6F175D3DCCD1}">
-              <a14:hiddenFill xmlns:a14="http://schemas.microsoft.com/office/drawing/2010/main">
-                <a:solidFill>
-                  <a:srgbClr val="FFFFFF"/>
-                </a:solidFill>
-              </a14:hiddenFill>
-            </a:ext>
-          </a:extLst>
-        </p:spPr>
-        <p:txBody>
-          <a:bodyPr vert="horz" wrap="square" lIns="91440" tIns="45720" rIns="91440" bIns="45720" numCol="1" anchor="t" anchorCtr="0" compatLnSpc="1">
-            <a:prstTxWarp prst="textNoShape">
-              <a:avLst/>
-            </a:prstTxWarp>
-          </a:bodyPr>
-          <a:lstStyle/>
-          <a:p>
-            <a:endParaRPr lang="en-US"/>
-          </a:p>
-        </p:txBody>
-      </p:sp>
-      <p:pic>
-        <p:nvPicPr>
-          <p:cNvPr id="22" name="Picture 12" descr="https://ripple.com/wp-content/themes/ripple-beta/assets/img/logo_v2.png"/>
-          <p:cNvPicPr>
-            <a:picLocks noChangeAspect="1" noChangeArrowheads="1"/>
-          </p:cNvPicPr>
-          <p:nvPr/>
-        </p:nvPicPr>
-        <p:blipFill>
-          <a:blip r:embed="rId12">
-            <a:extLst>
-              <a:ext uri="{28A0092B-C50C-407E-A947-70E740481C1C}">
-                <a14:useLocalDpi xmlns:a14="http://schemas.microsoft.com/office/drawing/2010/main" val="0"/>
-              </a:ext>
-            </a:extLst>
-          </a:blip>
-          <a:srcRect/>
-          <a:stretch>
-            <a:fillRect/>
-          </a:stretch>
-        </p:blipFill>
-        <p:spPr bwMode="auto">
-          <a:xfrm>
-            <a:off x="942975" y="4471200"/>
-            <a:ext cx="906927" cy="242927"/>
-          </a:xfrm>
-          <a:prstGeom prst="rect">
-            <a:avLst/>
-          </a:prstGeom>
-          <a:noFill/>
-          <a:ln>
-            <a:noFill/>
-          </a:ln>
-          <a:effectLst>
-            <a:outerShdw blurRad="76200" dir="1980000" sx="73000" sy="73000" kx="-800400" algn="bl" rotWithShape="0">
-              <a:prstClr val="black">
-                <a:alpha val="34000"/>
-              </a:prstClr>
-            </a:outerShdw>
-          </a:effectLst>
-          <a:extLst>
-            <a:ext uri="{909E8E84-426E-40DD-AFC4-6F175D3DCCD1}">
-              <a14:hiddenFill xmlns:a14="http://schemas.microsoft.com/office/drawing/2010/main">
-                <a:solidFill>
-                  <a:srgbClr val="FFFFFF"/>
-                </a:solidFill>
-              </a14:hiddenFill>
-            </a:ext>
-          </a:extLst>
-        </p:spPr>
-      </p:pic>
-      <p:pic>
-        <p:nvPicPr>
-          <p:cNvPr id="1042" name="Picture 18" descr="https://www.coingecko.com/assets/coin-250/counterparty-87274868fc98145e9a0f40a2a69f76f8.png"/>
-          <p:cNvPicPr>
-            <a:picLocks noChangeAspect="1" noChangeArrowheads="1"/>
-          </p:cNvPicPr>
-          <p:nvPr/>
-        </p:nvPicPr>
-        <p:blipFill>
-          <a:blip r:embed="rId13" cstate="print">
-            <a:extLst>
-              <a:ext uri="{28A0092B-C50C-407E-A947-70E740481C1C}">
-                <a14:useLocalDpi xmlns:a14="http://schemas.microsoft.com/office/drawing/2010/main" val="0"/>
-              </a:ext>
-            </a:extLst>
-          </a:blip>
-          <a:srcRect/>
-          <a:stretch>
-            <a:fillRect/>
-          </a:stretch>
-        </p:blipFill>
-        <p:spPr bwMode="auto">
-          <a:xfrm>
-            <a:off x="2728189" y="6243092"/>
-            <a:ext cx="480764" cy="480764"/>
-          </a:xfrm>
-          <a:prstGeom prst="rect">
-            <a:avLst/>
-          </a:prstGeom>
-          <a:noFill/>
-          <a:ln>
-            <a:noFill/>
-          </a:ln>
-          <a:effectLst>
-            <a:outerShdw blurRad="76200" dir="1980000" sx="73000" sy="73000" kx="-800400" algn="bl" rotWithShape="0">
-              <a:prstClr val="black">
-                <a:alpha val="34000"/>
-              </a:prstClr>
-            </a:outerShdw>
-          </a:effectLst>
-          <a:extLst>
-            <a:ext uri="{909E8E84-426E-40DD-AFC4-6F175D3DCCD1}">
-              <a14:hiddenFill xmlns:a14="http://schemas.microsoft.com/office/drawing/2010/main">
-                <a:solidFill>
-                  <a:srgbClr val="FFFFFF"/>
-                </a:solidFill>
-              </a14:hiddenFill>
-            </a:ext>
-          </a:extLst>
-        </p:spPr>
-      </p:pic>
-      <p:pic>
-        <p:nvPicPr>
-          <p:cNvPr id="24" name="Picture 6" descr="http://www.coinsetter.com/bitcoin-news/wp-content/uploads/2014/08/bitsharesx-logo.png"/>
-          <p:cNvPicPr>
-            <a:picLocks noChangeAspect="1" noChangeArrowheads="1"/>
-          </p:cNvPicPr>
-          <p:nvPr/>
-        </p:nvPicPr>
-        <p:blipFill>
-          <a:blip r:embed="rId14" cstate="print">
-            <a:extLst>
-              <a:ext uri="{28A0092B-C50C-407E-A947-70E740481C1C}">
-                <a14:useLocalDpi xmlns:a14="http://schemas.microsoft.com/office/drawing/2010/main" val="0"/>
-              </a:ext>
-            </a:extLst>
-          </a:blip>
-          <a:srcRect/>
-          <a:stretch>
-            <a:fillRect/>
-          </a:stretch>
-        </p:blipFill>
-        <p:spPr bwMode="auto">
-          <a:xfrm>
-            <a:off x="3351058" y="6352140"/>
-            <a:ext cx="916141" cy="262668"/>
-          </a:xfrm>
-          <a:prstGeom prst="rect">
-            <a:avLst/>
-          </a:prstGeom>
-          <a:noFill/>
-          <a:ln>
-            <a:noFill/>
-          </a:ln>
-          <a:effectLst>
-            <a:outerShdw blurRad="76200" dir="1980000" sx="73000" sy="73000" kx="-800400" algn="bl" rotWithShape="0">
-              <a:prstClr val="black">
-                <a:alpha val="34000"/>
-              </a:prstClr>
             </a:outerShdw>
           </a:effectLst>
           <a:extLst>
@@ -5719,23 +5050,7 @@
           <a:p>
             <a:r>
               <a:rPr lang="en-US" sz="1800" dirty="0" smtClean="0"/>
-              <a:t>Lying-</a:t>
-            </a:r>
-            <a:r>
-              <a:rPr lang="en-US" sz="1800" dirty="0" smtClean="0"/>
-              <a:t>Voters</a:t>
-            </a:r>
-            <a:r>
-              <a:rPr lang="en-US" sz="1800" dirty="0" smtClean="0"/>
-              <a:t>, Voter-Cartels, and </a:t>
-            </a:r>
-            <a:r>
-              <a:rPr lang="en-US" sz="1800" dirty="0" smtClean="0"/>
-              <a:t>Monopolist-Voters </a:t>
-            </a:r>
-            <a:r>
-              <a:rPr lang="en-US" sz="1800" dirty="0" smtClean="0"/>
-              <a:t>can each </a:t>
+              <a:t>Bad Voters, Voter-Cartels, and Monopolist Voters can each </a:t>
             </a:r>
             <a:r>
               <a:rPr lang="en-US" sz="1800" b="1" dirty="0" smtClean="0"/>
@@ -7284,7 +6599,7 @@
                   </a:outerShdw>
                 </a:effectLst>
               </a:rPr>
-              <a:t>19</a:t>
+              <a:t>13</a:t>
             </a:r>
             <a:endParaRPr lang="en-US" sz="4400" b="1" dirty="0">
               <a:ln w="900" cmpd="sng">
